--- a/SDC.pptx
+++ b/SDC.pptx
@@ -200,7 +200,7 @@
           <a:p>
             <a:fld id="{DBE5353F-1249-4FA7-93C6-A9B4F5C5FABB}" type="datetimeFigureOut">
               <a:rPr lang="en-US" smtClean="0"/>
-              <a:t>4/12/2025</a:t>
+              <a:t>4/13/2025</a:t>
             </a:fld>
             <a:endParaRPr lang="en-US"/>
           </a:p>
@@ -614,7 +614,7 @@
           <a:p>
             <a:fld id="{660493B3-2012-4AA3-8808-18851AAC478C}" type="datetime1">
               <a:rPr lang="en-US" smtClean="0"/>
-              <a:t>4/12/2025</a:t>
+              <a:t>4/13/2025</a:t>
             </a:fld>
             <a:endParaRPr lang="en-US"/>
           </a:p>
@@ -812,7 +812,7 @@
           <a:p>
             <a:fld id="{645AC1BF-FA36-44FE-B5E1-308A227BECC8}" type="datetime1">
               <a:rPr lang="en-US" smtClean="0"/>
-              <a:t>4/12/2025</a:t>
+              <a:t>4/13/2025</a:t>
             </a:fld>
             <a:endParaRPr lang="en-US"/>
           </a:p>
@@ -1020,7 +1020,7 @@
           <a:p>
             <a:fld id="{86EDFDC1-3436-4E70-864E-2A1FAD42034E}" type="datetime1">
               <a:rPr lang="en-US" smtClean="0"/>
-              <a:t>4/12/2025</a:t>
+              <a:t>4/13/2025</a:t>
             </a:fld>
             <a:endParaRPr lang="en-US"/>
           </a:p>
@@ -1218,7 +1218,7 @@
           <a:p>
             <a:fld id="{25AA35F6-FFFA-40E8-A3B3-01DD9DB5DCBE}" type="datetime1">
               <a:rPr lang="en-US" smtClean="0"/>
-              <a:t>4/12/2025</a:t>
+              <a:t>4/13/2025</a:t>
             </a:fld>
             <a:endParaRPr lang="en-US"/>
           </a:p>
@@ -1493,7 +1493,7 @@
           <a:p>
             <a:fld id="{A51A0035-1B51-42CF-9278-ACFF109026DF}" type="datetime1">
               <a:rPr lang="en-US" smtClean="0"/>
-              <a:t>4/12/2025</a:t>
+              <a:t>4/13/2025</a:t>
             </a:fld>
             <a:endParaRPr lang="en-US"/>
           </a:p>
@@ -1758,7 +1758,7 @@
           <a:p>
             <a:fld id="{7D582B46-EE1D-44BA-9D77-4E61B3EBBB61}" type="datetime1">
               <a:rPr lang="en-US" smtClean="0"/>
-              <a:t>4/12/2025</a:t>
+              <a:t>4/13/2025</a:t>
             </a:fld>
             <a:endParaRPr lang="en-US"/>
           </a:p>
@@ -2170,7 +2170,7 @@
           <a:p>
             <a:fld id="{0443934C-7E78-415D-BBFD-874FAB44B368}" type="datetime1">
               <a:rPr lang="en-US" smtClean="0"/>
-              <a:t>4/12/2025</a:t>
+              <a:t>4/13/2025</a:t>
             </a:fld>
             <a:endParaRPr lang="en-US"/>
           </a:p>
@@ -2311,7 +2311,7 @@
           <a:p>
             <a:fld id="{A34A86BA-7842-48EF-83C4-11B641B83AA0}" type="datetime1">
               <a:rPr lang="en-US" smtClean="0"/>
-              <a:t>4/12/2025</a:t>
+              <a:t>4/13/2025</a:t>
             </a:fld>
             <a:endParaRPr lang="en-US"/>
           </a:p>
@@ -2424,7 +2424,7 @@
           <a:p>
             <a:fld id="{CAD60C92-24B5-4180-B5B6-58A30111E371}" type="datetime1">
               <a:rPr lang="en-US" smtClean="0"/>
-              <a:t>4/12/2025</a:t>
+              <a:t>4/13/2025</a:t>
             </a:fld>
             <a:endParaRPr lang="en-US"/>
           </a:p>
@@ -2735,7 +2735,7 @@
           <a:p>
             <a:fld id="{3E170794-5BBA-4D7E-84CE-E28B3AE5DDE4}" type="datetime1">
               <a:rPr lang="en-US" smtClean="0"/>
-              <a:t>4/12/2025</a:t>
+              <a:t>4/13/2025</a:t>
             </a:fld>
             <a:endParaRPr lang="en-US"/>
           </a:p>
@@ -3023,7 +3023,7 @@
           <a:p>
             <a:fld id="{4CD395E7-EC18-4F89-89F5-8AE7A9E25E1B}" type="datetime1">
               <a:rPr lang="en-US" smtClean="0"/>
-              <a:t>4/12/2025</a:t>
+              <a:t>4/13/2025</a:t>
             </a:fld>
             <a:endParaRPr lang="en-US"/>
           </a:p>
@@ -3264,7 +3264,7 @@
           <a:p>
             <a:fld id="{8A465899-2C75-4A39-B154-8BFF0C2BF90E}" type="datetime1">
               <a:rPr lang="en-US" smtClean="0"/>
-              <a:t>4/12/2025</a:t>
+              <a:t>4/13/2025</a:t>
             </a:fld>
             <a:endParaRPr lang="en-US"/>
           </a:p>
@@ -4539,8 +4539,8 @@
         </p:nvSpPr>
         <p:spPr>
           <a:xfrm>
-            <a:off x="478076" y="2655518"/>
-            <a:ext cx="11235847" cy="2677656"/>
+            <a:off x="1073833" y="1935527"/>
+            <a:ext cx="8576537" cy="3907865"/>
           </a:xfrm>
           <a:prstGeom prst="rect">
             <a:avLst/>
@@ -4553,10 +4553,20 @@
           </a:bodyPr>
           <a:lstStyle/>
           <a:p>
-            <a:pPr marL="285750" indent="-285750">
-              <a:buFont typeface="Arial" panose="020B0604020202020204" pitchFamily="34" charset="0"/>
-              <a:buChar char="•"/>
+            <a:pPr>
+              <a:lnSpc>
+                <a:spcPct val="150000"/>
+              </a:lnSpc>
             </a:pPr>
+            <a:r>
+              <a:rPr lang="en-US" sz="2400" b="1" dirty="0">
+                <a:solidFill>
+                  <a:srgbClr val="2C2A2C"/>
+                </a:solidFill>
+                <a:latin typeface="Montserrat" pitchFamily="2" charset="0"/>
+              </a:rPr>
+              <a:t>P</a:t>
+            </a:r>
             <a:r>
               <a:rPr lang="en-US" sz="2400" dirty="0">
                 <a:solidFill>
@@ -4564,14 +4574,24 @@
                 </a:solidFill>
                 <a:latin typeface="Montserrat" pitchFamily="2" charset="0"/>
               </a:rPr>
-              <a:t>Problematic</a:t>
-            </a:r>
-          </a:p>
-          <a:p>
-            <a:pPr marL="285750" indent="-285750">
-              <a:buFont typeface="Arial" panose="020B0604020202020204" pitchFamily="34" charset="0"/>
-              <a:buChar char="•"/>
+              <a:t>roblem Definition &amp; Objectives</a:t>
+            </a:r>
+          </a:p>
+          <a:p>
+            <a:pPr>
+              <a:lnSpc>
+                <a:spcPct val="150000"/>
+              </a:lnSpc>
             </a:pPr>
+            <a:r>
+              <a:rPr lang="en-US" sz="2400" b="1" dirty="0">
+                <a:solidFill>
+                  <a:srgbClr val="2C2A2C"/>
+                </a:solidFill>
+                <a:latin typeface="Montserrat" pitchFamily="2" charset="0"/>
+              </a:rPr>
+              <a:t>P</a:t>
+            </a:r>
             <a:r>
               <a:rPr lang="en-US" sz="2400" dirty="0">
                 <a:solidFill>
@@ -4579,46 +4599,23 @@
                 </a:solidFill>
                 <a:latin typeface="Montserrat" pitchFamily="2" charset="0"/>
               </a:rPr>
-              <a:t>Solution  overview</a:t>
-            </a:r>
-          </a:p>
-          <a:p>
-            <a:pPr marL="285750" indent="-285750">
-              <a:buFont typeface="Arial" panose="020B0604020202020204" pitchFamily="34" charset="0"/>
-              <a:buChar char="•"/>
+              <a:t>roposed Solution &amp; System Architecture</a:t>
+            </a:r>
+          </a:p>
+          <a:p>
+            <a:pPr>
+              <a:lnSpc>
+                <a:spcPct val="150000"/>
+              </a:lnSpc>
             </a:pPr>
-            <a:endParaRPr lang="en-US" sz="2400" dirty="0">
-              <a:solidFill>
-                <a:srgbClr val="2C2A2C"/>
-              </a:solidFill>
-              <a:latin typeface="Montserrat" pitchFamily="2" charset="0"/>
-            </a:endParaRPr>
-          </a:p>
-          <a:p>
-            <a:pPr marL="285750" indent="-285750">
-              <a:buFont typeface="Arial" panose="020B0604020202020204" pitchFamily="34" charset="0"/>
-              <a:buChar char="•"/>
-            </a:pPr>
-            <a:endParaRPr lang="en-US" sz="2400" dirty="0">
-              <a:solidFill>
-                <a:srgbClr val="2C2A2C"/>
-              </a:solidFill>
-              <a:latin typeface="Montserrat" pitchFamily="2" charset="0"/>
-            </a:endParaRPr>
-          </a:p>
-          <a:p>
-            <a:pPr marL="285750" indent="-285750">
-              <a:buFont typeface="Arial" panose="020B0604020202020204" pitchFamily="34" charset="0"/>
-              <a:buChar char="•"/>
-            </a:pPr>
-            <a:r>
-              <a:rPr lang="en-US" sz="2400" dirty="0" err="1">
+            <a:r>
+              <a:rPr lang="en-US" sz="2400" b="1" dirty="0">
                 <a:solidFill>
                   <a:srgbClr val="2C2A2C"/>
                 </a:solidFill>
                 <a:latin typeface="Montserrat" pitchFamily="2" charset="0"/>
               </a:rPr>
-              <a:t>Letraset</a:t>
+              <a:t>F</a:t>
             </a:r>
             <a:r>
               <a:rPr lang="en-US" sz="2400" dirty="0">
@@ -4627,11 +4624,1217 @@
                 </a:solidFill>
                 <a:latin typeface="Montserrat" pitchFamily="2" charset="0"/>
               </a:rPr>
-              <a:t> sheets containing Lorem Ipsum passages, and more recently with desktop publishing software like Aldus PageMaker including versions of Lorem Ipsum.</a:t>
-            </a:r>
-          </a:p>
-        </p:txBody>
-      </p:sp>
+              <a:t>unctional Workflow</a:t>
+            </a:r>
+          </a:p>
+          <a:p>
+            <a:pPr>
+              <a:lnSpc>
+                <a:spcPct val="150000"/>
+              </a:lnSpc>
+            </a:pPr>
+            <a:r>
+              <a:rPr lang="en-US" sz="2400" b="1" dirty="0">
+                <a:solidFill>
+                  <a:srgbClr val="2C2A2C"/>
+                </a:solidFill>
+                <a:latin typeface="Montserrat" pitchFamily="2" charset="0"/>
+              </a:rPr>
+              <a:t>T</a:t>
+            </a:r>
+            <a:r>
+              <a:rPr lang="en-US" sz="2400" dirty="0">
+                <a:solidFill>
+                  <a:srgbClr val="2C2A2C"/>
+                </a:solidFill>
+                <a:latin typeface="Montserrat" pitchFamily="2" charset="0"/>
+              </a:rPr>
+              <a:t>echnological Framework</a:t>
+            </a:r>
+          </a:p>
+          <a:p>
+            <a:pPr>
+              <a:lnSpc>
+                <a:spcPct val="150000"/>
+              </a:lnSpc>
+            </a:pPr>
+            <a:r>
+              <a:rPr lang="en-US" sz="2400" b="1" dirty="0">
+                <a:solidFill>
+                  <a:srgbClr val="2C2A2C"/>
+                </a:solidFill>
+                <a:latin typeface="Montserrat" pitchFamily="2" charset="0"/>
+              </a:rPr>
+              <a:t>S</a:t>
+            </a:r>
+            <a:r>
+              <a:rPr lang="en-US" sz="2400" dirty="0">
+                <a:solidFill>
+                  <a:srgbClr val="2C2A2C"/>
+                </a:solidFill>
+                <a:latin typeface="Montserrat" pitchFamily="2" charset="0"/>
+              </a:rPr>
+              <a:t>ustainability Impact &amp; UN SDG Alignment</a:t>
+            </a:r>
+          </a:p>
+          <a:p>
+            <a:pPr>
+              <a:lnSpc>
+                <a:spcPct val="150000"/>
+              </a:lnSpc>
+            </a:pPr>
+            <a:r>
+              <a:rPr lang="en-US" sz="2400" b="1" dirty="0">
+                <a:solidFill>
+                  <a:srgbClr val="2C2A2C"/>
+                </a:solidFill>
+                <a:latin typeface="Montserrat" pitchFamily="2" charset="0"/>
+              </a:rPr>
+              <a:t>C</a:t>
+            </a:r>
+            <a:r>
+              <a:rPr lang="en-US" sz="2400" dirty="0">
+                <a:solidFill>
+                  <a:srgbClr val="2C2A2C"/>
+                </a:solidFill>
+                <a:latin typeface="Montserrat" pitchFamily="2" charset="0"/>
+              </a:rPr>
+              <a:t>hallenges and Mitigation Strategies</a:t>
+            </a:r>
+          </a:p>
+          <a:p>
+            <a:pPr>
+              <a:lnSpc>
+                <a:spcPct val="150000"/>
+              </a:lnSpc>
+            </a:pPr>
+            <a:r>
+              <a:rPr lang="en-US" sz="2400" b="1" dirty="0">
+                <a:solidFill>
+                  <a:srgbClr val="2C2A2C"/>
+                </a:solidFill>
+                <a:latin typeface="Montserrat" pitchFamily="2" charset="0"/>
+              </a:rPr>
+              <a:t>F</a:t>
+            </a:r>
+            <a:r>
+              <a:rPr lang="en-US" sz="2400" dirty="0">
+                <a:solidFill>
+                  <a:srgbClr val="2C2A2C"/>
+                </a:solidFill>
+                <a:latin typeface="Montserrat" pitchFamily="2" charset="0"/>
+              </a:rPr>
+              <a:t>uture Development Prospects</a:t>
+            </a:r>
+          </a:p>
+        </p:txBody>
+      </p:sp>
+      <p:grpSp>
+        <p:nvGrpSpPr>
+          <p:cNvPr id="5" name="Group 4">
+            <a:extLst>
+              <a:ext uri="{FF2B5EF4-FFF2-40B4-BE49-F238E27FC236}">
+                <a16:creationId xmlns:a16="http://schemas.microsoft.com/office/drawing/2014/main" id="{6773CBC5-37C0-4CCE-85F4-230D9891CA33}"/>
+              </a:ext>
+            </a:extLst>
+          </p:cNvPr>
+          <p:cNvGrpSpPr/>
+          <p:nvPr/>
+        </p:nvGrpSpPr>
+        <p:grpSpPr>
+          <a:xfrm>
+            <a:off x="10424329" y="2097947"/>
+            <a:ext cx="333632" cy="389239"/>
+            <a:chOff x="9811265" y="2193323"/>
+            <a:chExt cx="333632" cy="389239"/>
+          </a:xfrm>
+        </p:grpSpPr>
+        <p:sp>
+          <p:nvSpPr>
+            <p:cNvPr id="2" name="Oval 1">
+              <a:extLst>
+                <a:ext uri="{FF2B5EF4-FFF2-40B4-BE49-F238E27FC236}">
+                  <a16:creationId xmlns:a16="http://schemas.microsoft.com/office/drawing/2014/main" id="{1D11FFD4-136A-4278-B5CF-0A2FE7C84AC4}"/>
+                </a:ext>
+              </a:extLst>
+            </p:cNvPr>
+            <p:cNvSpPr/>
+            <p:nvPr/>
+          </p:nvSpPr>
+          <p:spPr>
+            <a:xfrm>
+              <a:off x="9811265" y="2248930"/>
+              <a:ext cx="333632" cy="333632"/>
+            </a:xfrm>
+            <a:prstGeom prst="ellipse">
+              <a:avLst/>
+            </a:prstGeom>
+            <a:solidFill>
+              <a:srgbClr val="2C2A2C"/>
+            </a:solidFill>
+            <a:ln>
+              <a:noFill/>
+            </a:ln>
+          </p:spPr>
+          <p:style>
+            <a:lnRef idx="2">
+              <a:schemeClr val="accent1">
+                <a:shade val="50000"/>
+              </a:schemeClr>
+            </a:lnRef>
+            <a:fillRef idx="1">
+              <a:schemeClr val="accent1"/>
+            </a:fillRef>
+            <a:effectRef idx="0">
+              <a:schemeClr val="accent1"/>
+            </a:effectRef>
+            <a:fontRef idx="minor">
+              <a:schemeClr val="lt1"/>
+            </a:fontRef>
+          </p:style>
+          <p:txBody>
+            <a:bodyPr numCol="2" rtlCol="0" anchor="t"/>
+            <a:lstStyle/>
+            <a:p>
+              <a:pPr algn="ctr"/>
+              <a:endParaRPr lang="en-US" sz="1050" dirty="0">
+                <a:latin typeface="Neilvard One" pitchFamily="50" charset="0"/>
+              </a:endParaRPr>
+            </a:p>
+          </p:txBody>
+        </p:sp>
+        <p:sp>
+          <p:nvSpPr>
+            <p:cNvPr id="3" name="TextBox 2">
+              <a:extLst>
+                <a:ext uri="{FF2B5EF4-FFF2-40B4-BE49-F238E27FC236}">
+                  <a16:creationId xmlns:a16="http://schemas.microsoft.com/office/drawing/2014/main" id="{C5D38953-C07D-4614-B662-CBF647D195B7}"/>
+                </a:ext>
+              </a:extLst>
+            </p:cNvPr>
+            <p:cNvSpPr txBox="1"/>
+            <p:nvPr/>
+          </p:nvSpPr>
+          <p:spPr>
+            <a:xfrm>
+              <a:off x="9850482" y="2193323"/>
+              <a:ext cx="255198" cy="338554"/>
+            </a:xfrm>
+            <a:prstGeom prst="rect">
+              <a:avLst/>
+            </a:prstGeom>
+            <a:noFill/>
+          </p:spPr>
+          <p:txBody>
+            <a:bodyPr wrap="square" rtlCol="0">
+              <a:spAutoFit/>
+            </a:bodyPr>
+            <a:lstStyle/>
+            <a:p>
+              <a:r>
+                <a:rPr lang="en-US" sz="1600" dirty="0">
+                  <a:solidFill>
+                    <a:srgbClr val="F1B610"/>
+                  </a:solidFill>
+                  <a:latin typeface="Neilvard One" pitchFamily="50" charset="0"/>
+                </a:rPr>
+                <a:t>1</a:t>
+              </a:r>
+            </a:p>
+          </p:txBody>
+        </p:sp>
+      </p:grpSp>
+      <p:grpSp>
+        <p:nvGrpSpPr>
+          <p:cNvPr id="15" name="Group 14">
+            <a:extLst>
+              <a:ext uri="{FF2B5EF4-FFF2-40B4-BE49-F238E27FC236}">
+                <a16:creationId xmlns:a16="http://schemas.microsoft.com/office/drawing/2014/main" id="{A1B10021-04A9-46E6-A87A-EAED9DB10AC7}"/>
+              </a:ext>
+            </a:extLst>
+          </p:cNvPr>
+          <p:cNvGrpSpPr/>
+          <p:nvPr/>
+        </p:nvGrpSpPr>
+        <p:grpSpPr>
+          <a:xfrm>
+            <a:off x="10424329" y="2636797"/>
+            <a:ext cx="333632" cy="389239"/>
+            <a:chOff x="9811265" y="2193323"/>
+            <a:chExt cx="333632" cy="389239"/>
+          </a:xfrm>
+        </p:grpSpPr>
+        <p:sp>
+          <p:nvSpPr>
+            <p:cNvPr id="16" name="Oval 15">
+              <a:extLst>
+                <a:ext uri="{FF2B5EF4-FFF2-40B4-BE49-F238E27FC236}">
+                  <a16:creationId xmlns:a16="http://schemas.microsoft.com/office/drawing/2014/main" id="{963A60A8-9926-442E-8DB7-530EB726AD0D}"/>
+                </a:ext>
+              </a:extLst>
+            </p:cNvPr>
+            <p:cNvSpPr/>
+            <p:nvPr/>
+          </p:nvSpPr>
+          <p:spPr>
+            <a:xfrm>
+              <a:off x="9811265" y="2248930"/>
+              <a:ext cx="333632" cy="333632"/>
+            </a:xfrm>
+            <a:prstGeom prst="ellipse">
+              <a:avLst/>
+            </a:prstGeom>
+            <a:solidFill>
+              <a:srgbClr val="2C2A2C"/>
+            </a:solidFill>
+            <a:ln>
+              <a:noFill/>
+            </a:ln>
+          </p:spPr>
+          <p:style>
+            <a:lnRef idx="2">
+              <a:schemeClr val="accent1">
+                <a:shade val="50000"/>
+              </a:schemeClr>
+            </a:lnRef>
+            <a:fillRef idx="1">
+              <a:schemeClr val="accent1"/>
+            </a:fillRef>
+            <a:effectRef idx="0">
+              <a:schemeClr val="accent1"/>
+            </a:effectRef>
+            <a:fontRef idx="minor">
+              <a:schemeClr val="lt1"/>
+            </a:fontRef>
+          </p:style>
+          <p:txBody>
+            <a:bodyPr numCol="2" rtlCol="0" anchor="t"/>
+            <a:lstStyle/>
+            <a:p>
+              <a:pPr algn="ctr"/>
+              <a:endParaRPr lang="en-US" sz="1050" dirty="0">
+                <a:latin typeface="Neilvard One" pitchFamily="50" charset="0"/>
+              </a:endParaRPr>
+            </a:p>
+          </p:txBody>
+        </p:sp>
+        <p:sp>
+          <p:nvSpPr>
+            <p:cNvPr id="18" name="TextBox 17">
+              <a:extLst>
+                <a:ext uri="{FF2B5EF4-FFF2-40B4-BE49-F238E27FC236}">
+                  <a16:creationId xmlns:a16="http://schemas.microsoft.com/office/drawing/2014/main" id="{8C680C4E-2770-4B0F-8982-2C79130C1120}"/>
+                </a:ext>
+              </a:extLst>
+            </p:cNvPr>
+            <p:cNvSpPr txBox="1"/>
+            <p:nvPr/>
+          </p:nvSpPr>
+          <p:spPr>
+            <a:xfrm>
+              <a:off x="9850482" y="2193323"/>
+              <a:ext cx="255198" cy="338554"/>
+            </a:xfrm>
+            <a:prstGeom prst="rect">
+              <a:avLst/>
+            </a:prstGeom>
+            <a:noFill/>
+          </p:spPr>
+          <p:txBody>
+            <a:bodyPr wrap="square" rtlCol="0">
+              <a:spAutoFit/>
+            </a:bodyPr>
+            <a:lstStyle/>
+            <a:p>
+              <a:r>
+                <a:rPr lang="en-US" sz="1600" dirty="0">
+                  <a:solidFill>
+                    <a:srgbClr val="F1B610"/>
+                  </a:solidFill>
+                  <a:latin typeface="Neilvard One" pitchFamily="50" charset="0"/>
+                </a:rPr>
+                <a:t>1</a:t>
+              </a:r>
+            </a:p>
+          </p:txBody>
+        </p:sp>
+      </p:grpSp>
+      <p:cxnSp>
+        <p:nvCxnSpPr>
+          <p:cNvPr id="7" name="Straight Connector 6">
+            <a:extLst>
+              <a:ext uri="{FF2B5EF4-FFF2-40B4-BE49-F238E27FC236}">
+                <a16:creationId xmlns:a16="http://schemas.microsoft.com/office/drawing/2014/main" id="{EEAAD0BE-95D6-4695-B75E-44D02DBFCB14}"/>
+              </a:ext>
+            </a:extLst>
+          </p:cNvPr>
+          <p:cNvCxnSpPr>
+            <a:cxnSpLocks/>
+          </p:cNvCxnSpPr>
+          <p:nvPr/>
+        </p:nvCxnSpPr>
+        <p:spPr>
+          <a:xfrm flipH="1">
+            <a:off x="6351373" y="2317656"/>
+            <a:ext cx="3928591" cy="0"/>
+          </a:xfrm>
+          <a:prstGeom prst="line">
+            <a:avLst/>
+          </a:prstGeom>
+          <a:ln w="3175">
+            <a:solidFill>
+              <a:srgbClr val="2C2A2C"/>
+            </a:solidFill>
+          </a:ln>
+        </p:spPr>
+        <p:style>
+          <a:lnRef idx="1">
+            <a:schemeClr val="accent1"/>
+          </a:lnRef>
+          <a:fillRef idx="0">
+            <a:schemeClr val="accent1"/>
+          </a:fillRef>
+          <a:effectRef idx="0">
+            <a:schemeClr val="accent1"/>
+          </a:effectRef>
+          <a:fontRef idx="minor">
+            <a:schemeClr val="tx1"/>
+          </a:fontRef>
+        </p:style>
+      </p:cxnSp>
+      <p:cxnSp>
+        <p:nvCxnSpPr>
+          <p:cNvPr id="23" name="Straight Connector 22">
+            <a:extLst>
+              <a:ext uri="{FF2B5EF4-FFF2-40B4-BE49-F238E27FC236}">
+                <a16:creationId xmlns:a16="http://schemas.microsoft.com/office/drawing/2014/main" id="{5C260C32-3A9B-455F-9FA1-F5D6F68DC212}"/>
+              </a:ext>
+            </a:extLst>
+          </p:cNvPr>
+          <p:cNvCxnSpPr>
+            <a:cxnSpLocks/>
+          </p:cNvCxnSpPr>
+          <p:nvPr/>
+        </p:nvCxnSpPr>
+        <p:spPr>
+          <a:xfrm flipH="1">
+            <a:off x="7735330" y="2850497"/>
+            <a:ext cx="2544634" cy="0"/>
+          </a:xfrm>
+          <a:prstGeom prst="line">
+            <a:avLst/>
+          </a:prstGeom>
+          <a:ln w="3175">
+            <a:solidFill>
+              <a:srgbClr val="2C2A2C"/>
+            </a:solidFill>
+          </a:ln>
+        </p:spPr>
+        <p:style>
+          <a:lnRef idx="1">
+            <a:schemeClr val="accent1"/>
+          </a:lnRef>
+          <a:fillRef idx="0">
+            <a:schemeClr val="accent1"/>
+          </a:fillRef>
+          <a:effectRef idx="0">
+            <a:schemeClr val="accent1"/>
+          </a:effectRef>
+          <a:fontRef idx="minor">
+            <a:schemeClr val="tx1"/>
+          </a:fontRef>
+        </p:style>
+      </p:cxnSp>
+      <p:cxnSp>
+        <p:nvCxnSpPr>
+          <p:cNvPr id="24" name="Straight Connector 23">
+            <a:extLst>
+              <a:ext uri="{FF2B5EF4-FFF2-40B4-BE49-F238E27FC236}">
+                <a16:creationId xmlns:a16="http://schemas.microsoft.com/office/drawing/2014/main" id="{1449797F-5932-4985-884B-9A16CB348C95}"/>
+              </a:ext>
+            </a:extLst>
+          </p:cNvPr>
+          <p:cNvCxnSpPr>
+            <a:cxnSpLocks/>
+          </p:cNvCxnSpPr>
+          <p:nvPr/>
+        </p:nvCxnSpPr>
+        <p:spPr>
+          <a:xfrm flipH="1">
+            <a:off x="4554282" y="3427184"/>
+            <a:ext cx="5725682" cy="0"/>
+          </a:xfrm>
+          <a:prstGeom prst="line">
+            <a:avLst/>
+          </a:prstGeom>
+          <a:ln w="3175">
+            <a:solidFill>
+              <a:srgbClr val="2C2A2C"/>
+            </a:solidFill>
+          </a:ln>
+        </p:spPr>
+        <p:style>
+          <a:lnRef idx="1">
+            <a:schemeClr val="accent1"/>
+          </a:lnRef>
+          <a:fillRef idx="0">
+            <a:schemeClr val="accent1"/>
+          </a:fillRef>
+          <a:effectRef idx="0">
+            <a:schemeClr val="accent1"/>
+          </a:effectRef>
+          <a:fontRef idx="minor">
+            <a:schemeClr val="tx1"/>
+          </a:fontRef>
+        </p:style>
+      </p:cxnSp>
+      <p:cxnSp>
+        <p:nvCxnSpPr>
+          <p:cNvPr id="25" name="Straight Connector 24">
+            <a:extLst>
+              <a:ext uri="{FF2B5EF4-FFF2-40B4-BE49-F238E27FC236}">
+                <a16:creationId xmlns:a16="http://schemas.microsoft.com/office/drawing/2014/main" id="{7074F7ED-2EEA-4E7A-BDC3-9D70CAFB931B}"/>
+              </a:ext>
+            </a:extLst>
+          </p:cNvPr>
+          <p:cNvCxnSpPr>
+            <a:cxnSpLocks/>
+          </p:cNvCxnSpPr>
+          <p:nvPr/>
+        </p:nvCxnSpPr>
+        <p:spPr>
+          <a:xfrm flipH="1">
+            <a:off x="5362101" y="3949281"/>
+            <a:ext cx="4917864" cy="0"/>
+          </a:xfrm>
+          <a:prstGeom prst="line">
+            <a:avLst/>
+          </a:prstGeom>
+          <a:ln w="3175">
+            <a:solidFill>
+              <a:srgbClr val="2C2A2C"/>
+            </a:solidFill>
+          </a:ln>
+        </p:spPr>
+        <p:style>
+          <a:lnRef idx="1">
+            <a:schemeClr val="accent1"/>
+          </a:lnRef>
+          <a:fillRef idx="0">
+            <a:schemeClr val="accent1"/>
+          </a:fillRef>
+          <a:effectRef idx="0">
+            <a:schemeClr val="accent1"/>
+          </a:effectRef>
+          <a:fontRef idx="minor">
+            <a:schemeClr val="tx1"/>
+          </a:fontRef>
+        </p:style>
+      </p:cxnSp>
+      <p:cxnSp>
+        <p:nvCxnSpPr>
+          <p:cNvPr id="27" name="Straight Connector 26">
+            <a:extLst>
+              <a:ext uri="{FF2B5EF4-FFF2-40B4-BE49-F238E27FC236}">
+                <a16:creationId xmlns:a16="http://schemas.microsoft.com/office/drawing/2014/main" id="{4BDA8803-A77C-4297-8A84-82C297BCC28E}"/>
+              </a:ext>
+            </a:extLst>
+          </p:cNvPr>
+          <p:cNvCxnSpPr>
+            <a:cxnSpLocks/>
+          </p:cNvCxnSpPr>
+          <p:nvPr/>
+        </p:nvCxnSpPr>
+        <p:spPr>
+          <a:xfrm flipH="1">
+            <a:off x="7883611" y="4503955"/>
+            <a:ext cx="2396353" cy="0"/>
+          </a:xfrm>
+          <a:prstGeom prst="line">
+            <a:avLst/>
+          </a:prstGeom>
+          <a:ln w="3175">
+            <a:solidFill>
+              <a:srgbClr val="2C2A2C"/>
+            </a:solidFill>
+          </a:ln>
+        </p:spPr>
+        <p:style>
+          <a:lnRef idx="1">
+            <a:schemeClr val="accent1"/>
+          </a:lnRef>
+          <a:fillRef idx="0">
+            <a:schemeClr val="accent1"/>
+          </a:fillRef>
+          <a:effectRef idx="0">
+            <a:schemeClr val="accent1"/>
+          </a:effectRef>
+          <a:fontRef idx="minor">
+            <a:schemeClr val="tx1"/>
+          </a:fontRef>
+        </p:style>
+      </p:cxnSp>
+      <p:cxnSp>
+        <p:nvCxnSpPr>
+          <p:cNvPr id="29" name="Straight Connector 28">
+            <a:extLst>
+              <a:ext uri="{FF2B5EF4-FFF2-40B4-BE49-F238E27FC236}">
+                <a16:creationId xmlns:a16="http://schemas.microsoft.com/office/drawing/2014/main" id="{D01BE2B9-F43D-4AEF-A230-1E80BBAB9B6B}"/>
+              </a:ext>
+            </a:extLst>
+          </p:cNvPr>
+          <p:cNvCxnSpPr>
+            <a:cxnSpLocks/>
+          </p:cNvCxnSpPr>
+          <p:nvPr/>
+        </p:nvCxnSpPr>
+        <p:spPr>
+          <a:xfrm flipH="1">
+            <a:off x="7006925" y="5042340"/>
+            <a:ext cx="3273039" cy="0"/>
+          </a:xfrm>
+          <a:prstGeom prst="line">
+            <a:avLst/>
+          </a:prstGeom>
+          <a:ln w="3175">
+            <a:solidFill>
+              <a:srgbClr val="2C2A2C"/>
+            </a:solidFill>
+          </a:ln>
+        </p:spPr>
+        <p:style>
+          <a:lnRef idx="1">
+            <a:schemeClr val="accent1"/>
+          </a:lnRef>
+          <a:fillRef idx="0">
+            <a:schemeClr val="accent1"/>
+          </a:fillRef>
+          <a:effectRef idx="0">
+            <a:schemeClr val="accent1"/>
+          </a:effectRef>
+          <a:fontRef idx="minor">
+            <a:schemeClr val="tx1"/>
+          </a:fontRef>
+        </p:style>
+      </p:cxnSp>
+      <p:cxnSp>
+        <p:nvCxnSpPr>
+          <p:cNvPr id="31" name="Straight Connector 30">
+            <a:extLst>
+              <a:ext uri="{FF2B5EF4-FFF2-40B4-BE49-F238E27FC236}">
+                <a16:creationId xmlns:a16="http://schemas.microsoft.com/office/drawing/2014/main" id="{59C57853-81D7-4A26-B284-DBE4F3A243AD}"/>
+              </a:ext>
+            </a:extLst>
+          </p:cNvPr>
+          <p:cNvCxnSpPr>
+            <a:cxnSpLocks/>
+          </p:cNvCxnSpPr>
+          <p:nvPr/>
+        </p:nvCxnSpPr>
+        <p:spPr>
+          <a:xfrm flipH="1">
+            <a:off x="6163740" y="5589271"/>
+            <a:ext cx="4116224" cy="0"/>
+          </a:xfrm>
+          <a:prstGeom prst="line">
+            <a:avLst/>
+          </a:prstGeom>
+          <a:ln w="3175">
+            <a:solidFill>
+              <a:srgbClr val="2C2A2C"/>
+            </a:solidFill>
+          </a:ln>
+        </p:spPr>
+        <p:style>
+          <a:lnRef idx="1">
+            <a:schemeClr val="accent1"/>
+          </a:lnRef>
+          <a:fillRef idx="0">
+            <a:schemeClr val="accent1"/>
+          </a:fillRef>
+          <a:effectRef idx="0">
+            <a:schemeClr val="accent1"/>
+          </a:effectRef>
+          <a:fontRef idx="minor">
+            <a:schemeClr val="tx1"/>
+          </a:fontRef>
+        </p:style>
+      </p:cxnSp>
+      <p:grpSp>
+        <p:nvGrpSpPr>
+          <p:cNvPr id="33" name="Group 32">
+            <a:extLst>
+              <a:ext uri="{FF2B5EF4-FFF2-40B4-BE49-F238E27FC236}">
+                <a16:creationId xmlns:a16="http://schemas.microsoft.com/office/drawing/2014/main" id="{D3C6709B-D0CC-44BE-BC77-608002F71FB2}"/>
+              </a:ext>
+            </a:extLst>
+          </p:cNvPr>
+          <p:cNvGrpSpPr/>
+          <p:nvPr/>
+        </p:nvGrpSpPr>
+        <p:grpSpPr>
+          <a:xfrm>
+            <a:off x="10424329" y="3180569"/>
+            <a:ext cx="333632" cy="389239"/>
+            <a:chOff x="9811265" y="2193323"/>
+            <a:chExt cx="333632" cy="389239"/>
+          </a:xfrm>
+        </p:grpSpPr>
+        <p:sp>
+          <p:nvSpPr>
+            <p:cNvPr id="34" name="Oval 33">
+              <a:extLst>
+                <a:ext uri="{FF2B5EF4-FFF2-40B4-BE49-F238E27FC236}">
+                  <a16:creationId xmlns:a16="http://schemas.microsoft.com/office/drawing/2014/main" id="{2DD5ADB8-8A30-4DAF-805D-D73B13EF3646}"/>
+                </a:ext>
+              </a:extLst>
+            </p:cNvPr>
+            <p:cNvSpPr/>
+            <p:nvPr/>
+          </p:nvSpPr>
+          <p:spPr>
+            <a:xfrm>
+              <a:off x="9811265" y="2248930"/>
+              <a:ext cx="333632" cy="333632"/>
+            </a:xfrm>
+            <a:prstGeom prst="ellipse">
+              <a:avLst/>
+            </a:prstGeom>
+            <a:solidFill>
+              <a:srgbClr val="2C2A2C"/>
+            </a:solidFill>
+            <a:ln>
+              <a:noFill/>
+            </a:ln>
+          </p:spPr>
+          <p:style>
+            <a:lnRef idx="2">
+              <a:schemeClr val="accent1">
+                <a:shade val="50000"/>
+              </a:schemeClr>
+            </a:lnRef>
+            <a:fillRef idx="1">
+              <a:schemeClr val="accent1"/>
+            </a:fillRef>
+            <a:effectRef idx="0">
+              <a:schemeClr val="accent1"/>
+            </a:effectRef>
+            <a:fontRef idx="minor">
+              <a:schemeClr val="lt1"/>
+            </a:fontRef>
+          </p:style>
+          <p:txBody>
+            <a:bodyPr numCol="2" rtlCol="0" anchor="t"/>
+            <a:lstStyle/>
+            <a:p>
+              <a:pPr algn="ctr"/>
+              <a:endParaRPr lang="en-US" sz="1050" dirty="0">
+                <a:latin typeface="Neilvard One" pitchFamily="50" charset="0"/>
+              </a:endParaRPr>
+            </a:p>
+          </p:txBody>
+        </p:sp>
+        <p:sp>
+          <p:nvSpPr>
+            <p:cNvPr id="35" name="TextBox 34">
+              <a:extLst>
+                <a:ext uri="{FF2B5EF4-FFF2-40B4-BE49-F238E27FC236}">
+                  <a16:creationId xmlns:a16="http://schemas.microsoft.com/office/drawing/2014/main" id="{BF335182-D630-4E6B-8FF3-E0D3C1BE39AC}"/>
+                </a:ext>
+              </a:extLst>
+            </p:cNvPr>
+            <p:cNvSpPr txBox="1"/>
+            <p:nvPr/>
+          </p:nvSpPr>
+          <p:spPr>
+            <a:xfrm>
+              <a:off x="9850482" y="2193323"/>
+              <a:ext cx="255198" cy="338554"/>
+            </a:xfrm>
+            <a:prstGeom prst="rect">
+              <a:avLst/>
+            </a:prstGeom>
+            <a:noFill/>
+          </p:spPr>
+          <p:txBody>
+            <a:bodyPr wrap="square" rtlCol="0">
+              <a:spAutoFit/>
+            </a:bodyPr>
+            <a:lstStyle/>
+            <a:p>
+              <a:r>
+                <a:rPr lang="en-US" sz="1600" dirty="0">
+                  <a:solidFill>
+                    <a:srgbClr val="F1B610"/>
+                  </a:solidFill>
+                  <a:latin typeface="Neilvard One" pitchFamily="50" charset="0"/>
+                </a:rPr>
+                <a:t>1</a:t>
+              </a:r>
+            </a:p>
+          </p:txBody>
+        </p:sp>
+      </p:grpSp>
+      <p:grpSp>
+        <p:nvGrpSpPr>
+          <p:cNvPr id="36" name="Group 35">
+            <a:extLst>
+              <a:ext uri="{FF2B5EF4-FFF2-40B4-BE49-F238E27FC236}">
+                <a16:creationId xmlns:a16="http://schemas.microsoft.com/office/drawing/2014/main" id="{F7B7FE01-6BE8-445F-B6E3-F9F1EE3944FF}"/>
+              </a:ext>
+            </a:extLst>
+          </p:cNvPr>
+          <p:cNvGrpSpPr/>
+          <p:nvPr/>
+        </p:nvGrpSpPr>
+        <p:grpSpPr>
+          <a:xfrm>
+            <a:off x="10424329" y="3691285"/>
+            <a:ext cx="333632" cy="389239"/>
+            <a:chOff x="9811265" y="2193323"/>
+            <a:chExt cx="333632" cy="389239"/>
+          </a:xfrm>
+        </p:grpSpPr>
+        <p:sp>
+          <p:nvSpPr>
+            <p:cNvPr id="37" name="Oval 36">
+              <a:extLst>
+                <a:ext uri="{FF2B5EF4-FFF2-40B4-BE49-F238E27FC236}">
+                  <a16:creationId xmlns:a16="http://schemas.microsoft.com/office/drawing/2014/main" id="{BEF9D6FA-BC39-43EF-A444-3E6C5B3A72ED}"/>
+                </a:ext>
+              </a:extLst>
+            </p:cNvPr>
+            <p:cNvSpPr/>
+            <p:nvPr/>
+          </p:nvSpPr>
+          <p:spPr>
+            <a:xfrm>
+              <a:off x="9811265" y="2248930"/>
+              <a:ext cx="333632" cy="333632"/>
+            </a:xfrm>
+            <a:prstGeom prst="ellipse">
+              <a:avLst/>
+            </a:prstGeom>
+            <a:solidFill>
+              <a:srgbClr val="2C2A2C"/>
+            </a:solidFill>
+            <a:ln>
+              <a:noFill/>
+            </a:ln>
+          </p:spPr>
+          <p:style>
+            <a:lnRef idx="2">
+              <a:schemeClr val="accent1">
+                <a:shade val="50000"/>
+              </a:schemeClr>
+            </a:lnRef>
+            <a:fillRef idx="1">
+              <a:schemeClr val="accent1"/>
+            </a:fillRef>
+            <a:effectRef idx="0">
+              <a:schemeClr val="accent1"/>
+            </a:effectRef>
+            <a:fontRef idx="minor">
+              <a:schemeClr val="lt1"/>
+            </a:fontRef>
+          </p:style>
+          <p:txBody>
+            <a:bodyPr numCol="2" rtlCol="0" anchor="t"/>
+            <a:lstStyle/>
+            <a:p>
+              <a:pPr algn="ctr"/>
+              <a:endParaRPr lang="en-US" sz="1050" dirty="0">
+                <a:latin typeface="Neilvard One" pitchFamily="50" charset="0"/>
+              </a:endParaRPr>
+            </a:p>
+          </p:txBody>
+        </p:sp>
+        <p:sp>
+          <p:nvSpPr>
+            <p:cNvPr id="38" name="TextBox 37">
+              <a:extLst>
+                <a:ext uri="{FF2B5EF4-FFF2-40B4-BE49-F238E27FC236}">
+                  <a16:creationId xmlns:a16="http://schemas.microsoft.com/office/drawing/2014/main" id="{E13833EF-CD4C-4D8D-BEC7-9C86D11E33CA}"/>
+                </a:ext>
+              </a:extLst>
+            </p:cNvPr>
+            <p:cNvSpPr txBox="1"/>
+            <p:nvPr/>
+          </p:nvSpPr>
+          <p:spPr>
+            <a:xfrm>
+              <a:off x="9850482" y="2193323"/>
+              <a:ext cx="255198" cy="338554"/>
+            </a:xfrm>
+            <a:prstGeom prst="rect">
+              <a:avLst/>
+            </a:prstGeom>
+            <a:noFill/>
+          </p:spPr>
+          <p:txBody>
+            <a:bodyPr wrap="square" rtlCol="0">
+              <a:spAutoFit/>
+            </a:bodyPr>
+            <a:lstStyle/>
+            <a:p>
+              <a:r>
+                <a:rPr lang="en-US" sz="1600" dirty="0">
+                  <a:solidFill>
+                    <a:srgbClr val="F1B610"/>
+                  </a:solidFill>
+                  <a:latin typeface="Neilvard One" pitchFamily="50" charset="0"/>
+                </a:rPr>
+                <a:t>1</a:t>
+              </a:r>
+            </a:p>
+          </p:txBody>
+        </p:sp>
+      </p:grpSp>
+      <p:grpSp>
+        <p:nvGrpSpPr>
+          <p:cNvPr id="39" name="Group 38">
+            <a:extLst>
+              <a:ext uri="{FF2B5EF4-FFF2-40B4-BE49-F238E27FC236}">
+                <a16:creationId xmlns:a16="http://schemas.microsoft.com/office/drawing/2014/main" id="{DD423FA7-6328-4BDF-836F-51C926B37921}"/>
+              </a:ext>
+            </a:extLst>
+          </p:cNvPr>
+          <p:cNvGrpSpPr/>
+          <p:nvPr/>
+        </p:nvGrpSpPr>
+        <p:grpSpPr>
+          <a:xfrm>
+            <a:off x="10424329" y="4260557"/>
+            <a:ext cx="333632" cy="389239"/>
+            <a:chOff x="9811265" y="2193323"/>
+            <a:chExt cx="333632" cy="389239"/>
+          </a:xfrm>
+        </p:grpSpPr>
+        <p:sp>
+          <p:nvSpPr>
+            <p:cNvPr id="40" name="Oval 39">
+              <a:extLst>
+                <a:ext uri="{FF2B5EF4-FFF2-40B4-BE49-F238E27FC236}">
+                  <a16:creationId xmlns:a16="http://schemas.microsoft.com/office/drawing/2014/main" id="{146B313C-BDE6-4E52-A85F-4FE37D289B1C}"/>
+                </a:ext>
+              </a:extLst>
+            </p:cNvPr>
+            <p:cNvSpPr/>
+            <p:nvPr/>
+          </p:nvSpPr>
+          <p:spPr>
+            <a:xfrm>
+              <a:off x="9811265" y="2248930"/>
+              <a:ext cx="333632" cy="333632"/>
+            </a:xfrm>
+            <a:prstGeom prst="ellipse">
+              <a:avLst/>
+            </a:prstGeom>
+            <a:solidFill>
+              <a:srgbClr val="2C2A2C"/>
+            </a:solidFill>
+            <a:ln>
+              <a:noFill/>
+            </a:ln>
+          </p:spPr>
+          <p:style>
+            <a:lnRef idx="2">
+              <a:schemeClr val="accent1">
+                <a:shade val="50000"/>
+              </a:schemeClr>
+            </a:lnRef>
+            <a:fillRef idx="1">
+              <a:schemeClr val="accent1"/>
+            </a:fillRef>
+            <a:effectRef idx="0">
+              <a:schemeClr val="accent1"/>
+            </a:effectRef>
+            <a:fontRef idx="minor">
+              <a:schemeClr val="lt1"/>
+            </a:fontRef>
+          </p:style>
+          <p:txBody>
+            <a:bodyPr numCol="2" rtlCol="0" anchor="t"/>
+            <a:lstStyle/>
+            <a:p>
+              <a:pPr algn="ctr"/>
+              <a:endParaRPr lang="en-US" sz="1050" dirty="0">
+                <a:latin typeface="Neilvard One" pitchFamily="50" charset="0"/>
+              </a:endParaRPr>
+            </a:p>
+          </p:txBody>
+        </p:sp>
+        <p:sp>
+          <p:nvSpPr>
+            <p:cNvPr id="41" name="TextBox 40">
+              <a:extLst>
+                <a:ext uri="{FF2B5EF4-FFF2-40B4-BE49-F238E27FC236}">
+                  <a16:creationId xmlns:a16="http://schemas.microsoft.com/office/drawing/2014/main" id="{17FC9273-85C6-4356-B266-028BCE2F31FF}"/>
+                </a:ext>
+              </a:extLst>
+            </p:cNvPr>
+            <p:cNvSpPr txBox="1"/>
+            <p:nvPr/>
+          </p:nvSpPr>
+          <p:spPr>
+            <a:xfrm>
+              <a:off x="9850482" y="2193323"/>
+              <a:ext cx="255198" cy="338554"/>
+            </a:xfrm>
+            <a:prstGeom prst="rect">
+              <a:avLst/>
+            </a:prstGeom>
+            <a:noFill/>
+          </p:spPr>
+          <p:txBody>
+            <a:bodyPr wrap="square" rtlCol="0">
+              <a:spAutoFit/>
+            </a:bodyPr>
+            <a:lstStyle/>
+            <a:p>
+              <a:r>
+                <a:rPr lang="en-US" sz="1600" dirty="0">
+                  <a:solidFill>
+                    <a:srgbClr val="F1B610"/>
+                  </a:solidFill>
+                  <a:latin typeface="Neilvard One" pitchFamily="50" charset="0"/>
+                </a:rPr>
+                <a:t>1</a:t>
+              </a:r>
+            </a:p>
+          </p:txBody>
+        </p:sp>
+      </p:grpSp>
+      <p:grpSp>
+        <p:nvGrpSpPr>
+          <p:cNvPr id="42" name="Group 41">
+            <a:extLst>
+              <a:ext uri="{FF2B5EF4-FFF2-40B4-BE49-F238E27FC236}">
+                <a16:creationId xmlns:a16="http://schemas.microsoft.com/office/drawing/2014/main" id="{51D8BE5D-ACE9-4110-8EBC-0421B969C3BF}"/>
+              </a:ext>
+            </a:extLst>
+          </p:cNvPr>
+          <p:cNvGrpSpPr/>
+          <p:nvPr/>
+        </p:nvGrpSpPr>
+        <p:grpSpPr>
+          <a:xfrm>
+            <a:off x="10424329" y="4825840"/>
+            <a:ext cx="333632" cy="389239"/>
+            <a:chOff x="9811265" y="2193323"/>
+            <a:chExt cx="333632" cy="389239"/>
+          </a:xfrm>
+        </p:grpSpPr>
+        <p:sp>
+          <p:nvSpPr>
+            <p:cNvPr id="43" name="Oval 42">
+              <a:extLst>
+                <a:ext uri="{FF2B5EF4-FFF2-40B4-BE49-F238E27FC236}">
+                  <a16:creationId xmlns:a16="http://schemas.microsoft.com/office/drawing/2014/main" id="{C2351F5F-35EF-4B6D-B51F-9E6AF241A6BB}"/>
+                </a:ext>
+              </a:extLst>
+            </p:cNvPr>
+            <p:cNvSpPr/>
+            <p:nvPr/>
+          </p:nvSpPr>
+          <p:spPr>
+            <a:xfrm>
+              <a:off x="9811265" y="2248930"/>
+              <a:ext cx="333632" cy="333632"/>
+            </a:xfrm>
+            <a:prstGeom prst="ellipse">
+              <a:avLst/>
+            </a:prstGeom>
+            <a:solidFill>
+              <a:srgbClr val="2C2A2C"/>
+            </a:solidFill>
+            <a:ln>
+              <a:noFill/>
+            </a:ln>
+          </p:spPr>
+          <p:style>
+            <a:lnRef idx="2">
+              <a:schemeClr val="accent1">
+                <a:shade val="50000"/>
+              </a:schemeClr>
+            </a:lnRef>
+            <a:fillRef idx="1">
+              <a:schemeClr val="accent1"/>
+            </a:fillRef>
+            <a:effectRef idx="0">
+              <a:schemeClr val="accent1"/>
+            </a:effectRef>
+            <a:fontRef idx="minor">
+              <a:schemeClr val="lt1"/>
+            </a:fontRef>
+          </p:style>
+          <p:txBody>
+            <a:bodyPr numCol="2" rtlCol="0" anchor="t"/>
+            <a:lstStyle/>
+            <a:p>
+              <a:pPr algn="ctr"/>
+              <a:endParaRPr lang="en-US" sz="1050" dirty="0">
+                <a:latin typeface="Neilvard One" pitchFamily="50" charset="0"/>
+              </a:endParaRPr>
+            </a:p>
+          </p:txBody>
+        </p:sp>
+        <p:sp>
+          <p:nvSpPr>
+            <p:cNvPr id="44" name="TextBox 43">
+              <a:extLst>
+                <a:ext uri="{FF2B5EF4-FFF2-40B4-BE49-F238E27FC236}">
+                  <a16:creationId xmlns:a16="http://schemas.microsoft.com/office/drawing/2014/main" id="{91EF7E95-4247-46C6-98DB-DB8853C58B43}"/>
+                </a:ext>
+              </a:extLst>
+            </p:cNvPr>
+            <p:cNvSpPr txBox="1"/>
+            <p:nvPr/>
+          </p:nvSpPr>
+          <p:spPr>
+            <a:xfrm>
+              <a:off x="9850482" y="2193323"/>
+              <a:ext cx="255198" cy="338554"/>
+            </a:xfrm>
+            <a:prstGeom prst="rect">
+              <a:avLst/>
+            </a:prstGeom>
+            <a:noFill/>
+          </p:spPr>
+          <p:txBody>
+            <a:bodyPr wrap="square" rtlCol="0">
+              <a:spAutoFit/>
+            </a:bodyPr>
+            <a:lstStyle/>
+            <a:p>
+              <a:r>
+                <a:rPr lang="en-US" sz="1600" dirty="0">
+                  <a:solidFill>
+                    <a:srgbClr val="F1B610"/>
+                  </a:solidFill>
+                  <a:latin typeface="Neilvard One" pitchFamily="50" charset="0"/>
+                </a:rPr>
+                <a:t>1</a:t>
+              </a:r>
+            </a:p>
+          </p:txBody>
+        </p:sp>
+      </p:grpSp>
+      <p:grpSp>
+        <p:nvGrpSpPr>
+          <p:cNvPr id="45" name="Group 44">
+            <a:extLst>
+              <a:ext uri="{FF2B5EF4-FFF2-40B4-BE49-F238E27FC236}">
+                <a16:creationId xmlns:a16="http://schemas.microsoft.com/office/drawing/2014/main" id="{9E72811A-DB9F-41E5-AD16-679D9F42DEBD}"/>
+              </a:ext>
+            </a:extLst>
+          </p:cNvPr>
+          <p:cNvGrpSpPr/>
+          <p:nvPr/>
+        </p:nvGrpSpPr>
+        <p:grpSpPr>
+          <a:xfrm>
+            <a:off x="10426360" y="5340438"/>
+            <a:ext cx="333632" cy="389239"/>
+            <a:chOff x="9811265" y="2193323"/>
+            <a:chExt cx="333632" cy="389239"/>
+          </a:xfrm>
+        </p:grpSpPr>
+        <p:sp>
+          <p:nvSpPr>
+            <p:cNvPr id="46" name="Oval 45">
+              <a:extLst>
+                <a:ext uri="{FF2B5EF4-FFF2-40B4-BE49-F238E27FC236}">
+                  <a16:creationId xmlns:a16="http://schemas.microsoft.com/office/drawing/2014/main" id="{B9185A6D-1D8B-45CD-BEFA-FE8856F9A320}"/>
+                </a:ext>
+              </a:extLst>
+            </p:cNvPr>
+            <p:cNvSpPr/>
+            <p:nvPr/>
+          </p:nvSpPr>
+          <p:spPr>
+            <a:xfrm>
+              <a:off x="9811265" y="2248930"/>
+              <a:ext cx="333632" cy="333632"/>
+            </a:xfrm>
+            <a:prstGeom prst="ellipse">
+              <a:avLst/>
+            </a:prstGeom>
+            <a:solidFill>
+              <a:srgbClr val="2C2A2C"/>
+            </a:solidFill>
+            <a:ln>
+              <a:noFill/>
+            </a:ln>
+          </p:spPr>
+          <p:style>
+            <a:lnRef idx="2">
+              <a:schemeClr val="accent1">
+                <a:shade val="50000"/>
+              </a:schemeClr>
+            </a:lnRef>
+            <a:fillRef idx="1">
+              <a:schemeClr val="accent1"/>
+            </a:fillRef>
+            <a:effectRef idx="0">
+              <a:schemeClr val="accent1"/>
+            </a:effectRef>
+            <a:fontRef idx="minor">
+              <a:schemeClr val="lt1"/>
+            </a:fontRef>
+          </p:style>
+          <p:txBody>
+            <a:bodyPr numCol="2" rtlCol="0" anchor="t"/>
+            <a:lstStyle/>
+            <a:p>
+              <a:pPr algn="ctr"/>
+              <a:endParaRPr lang="en-US" sz="1050" dirty="0">
+                <a:latin typeface="Neilvard One" pitchFamily="50" charset="0"/>
+              </a:endParaRPr>
+            </a:p>
+          </p:txBody>
+        </p:sp>
+        <p:sp>
+          <p:nvSpPr>
+            <p:cNvPr id="47" name="TextBox 46">
+              <a:extLst>
+                <a:ext uri="{FF2B5EF4-FFF2-40B4-BE49-F238E27FC236}">
+                  <a16:creationId xmlns:a16="http://schemas.microsoft.com/office/drawing/2014/main" id="{9C823986-08E9-4F6D-872E-283CEEC1D9D7}"/>
+                </a:ext>
+              </a:extLst>
+            </p:cNvPr>
+            <p:cNvSpPr txBox="1"/>
+            <p:nvPr/>
+          </p:nvSpPr>
+          <p:spPr>
+            <a:xfrm>
+              <a:off x="9850482" y="2193323"/>
+              <a:ext cx="255198" cy="338554"/>
+            </a:xfrm>
+            <a:prstGeom prst="rect">
+              <a:avLst/>
+            </a:prstGeom>
+            <a:noFill/>
+          </p:spPr>
+          <p:txBody>
+            <a:bodyPr wrap="square" rtlCol="0">
+              <a:spAutoFit/>
+            </a:bodyPr>
+            <a:lstStyle/>
+            <a:p>
+              <a:r>
+                <a:rPr lang="en-US" sz="1600" dirty="0">
+                  <a:solidFill>
+                    <a:srgbClr val="F1B610"/>
+                  </a:solidFill>
+                  <a:latin typeface="Neilvard One" pitchFamily="50" charset="0"/>
+                </a:rPr>
+                <a:t>1</a:t>
+              </a:r>
+            </a:p>
+          </p:txBody>
+        </p:sp>
+      </p:grpSp>
     </p:spTree>
     <p:extLst>
       <p:ext uri="{BB962C8B-B14F-4D97-AF65-F5344CB8AC3E}">
